--- a/docs/submission_video/ATLAS-video-static-pages.pptx
+++ b/docs/submission_video/ATLAS-video-static-pages.pptx
@@ -210,7 +210,7 @@
           <a:p>
             <a:fld id="{CED8FEFF-528D-47BD-9DA2-E1838F79196B}" type="datetimeFigureOut">
               <a:rPr lang="en-SG" smtClean="0"/>
-              <a:t>4/11/2020</a:t>
+              <a:t>5/11/2020</a:t>
             </a:fld>
             <a:endParaRPr lang="en-SG"/>
           </a:p>
@@ -634,7 +634,7 @@
           <a:p>
             <a:fld id="{02AC24A9-CCB6-4F8D-B8DB-C2F3692CFA5A}" type="datetimeFigureOut">
               <a:rPr lang="en-US" smtClean="0"/>
-              <a:t>11/4/2020</a:t>
+              <a:t>11/5/2020</a:t>
             </a:fld>
             <a:endParaRPr lang="en-US" dirty="0"/>
           </a:p>
@@ -1004,7 +1004,7 @@
           <a:p>
             <a:fld id="{02AC24A9-CCB6-4F8D-B8DB-C2F3692CFA5A}" type="datetimeFigureOut">
               <a:rPr lang="en-US" smtClean="0"/>
-              <a:t>11/4/2020</a:t>
+              <a:t>11/5/2020</a:t>
             </a:fld>
             <a:endParaRPr lang="en-US"/>
           </a:p>
@@ -1213,7 +1213,7 @@
           <a:p>
             <a:fld id="{02AC24A9-CCB6-4F8D-B8DB-C2F3692CFA5A}" type="datetimeFigureOut">
               <a:rPr lang="en-US" smtClean="0"/>
-              <a:t>11/4/2020</a:t>
+              <a:t>11/5/2020</a:t>
             </a:fld>
             <a:endParaRPr lang="en-US"/>
           </a:p>
@@ -1683,7 +1683,7 @@
           <a:p>
             <a:fld id="{02AC24A9-CCB6-4F8D-B8DB-C2F3692CFA5A}" type="datetimeFigureOut">
               <a:rPr lang="en-US" smtClean="0"/>
-              <a:t>11/4/2020</a:t>
+              <a:t>11/5/2020</a:t>
             </a:fld>
             <a:endParaRPr lang="en-US"/>
           </a:p>
@@ -2137,7 +2137,7 @@
           <a:p>
             <a:fld id="{02AC24A9-CCB6-4F8D-B8DB-C2F3692CFA5A}" type="datetimeFigureOut">
               <a:rPr lang="en-US" smtClean="0"/>
-              <a:t>11/4/2020</a:t>
+              <a:t>11/5/2020</a:t>
             </a:fld>
             <a:endParaRPr lang="en-US"/>
           </a:p>
@@ -2669,7 +2669,7 @@
           <a:p>
             <a:fld id="{02AC24A9-CCB6-4F8D-B8DB-C2F3692CFA5A}" type="datetimeFigureOut">
               <a:rPr lang="en-US" smtClean="0"/>
-              <a:t>11/4/2020</a:t>
+              <a:t>11/5/2020</a:t>
             </a:fld>
             <a:endParaRPr lang="en-US"/>
           </a:p>
@@ -3368,7 +3368,7 @@
           <a:p>
             <a:fld id="{02AC24A9-CCB6-4F8D-B8DB-C2F3692CFA5A}" type="datetimeFigureOut">
               <a:rPr lang="en-US" smtClean="0"/>
-              <a:t>11/4/2020</a:t>
+              <a:t>11/5/2020</a:t>
             </a:fld>
             <a:endParaRPr lang="en-US"/>
           </a:p>
@@ -3697,7 +3697,7 @@
           <a:p>
             <a:fld id="{02AC24A9-CCB6-4F8D-B8DB-C2F3692CFA5A}" type="datetimeFigureOut">
               <a:rPr lang="en-US" smtClean="0"/>
-              <a:t>11/4/2020</a:t>
+              <a:t>11/5/2020</a:t>
             </a:fld>
             <a:endParaRPr lang="en-US"/>
           </a:p>
@@ -3810,7 +3810,7 @@
           <a:p>
             <a:fld id="{02AC24A9-CCB6-4F8D-B8DB-C2F3692CFA5A}" type="datetimeFigureOut">
               <a:rPr lang="en-US" smtClean="0"/>
-              <a:t>11/4/2020</a:t>
+              <a:t>11/5/2020</a:t>
             </a:fld>
             <a:endParaRPr lang="en-US"/>
           </a:p>
@@ -4305,7 +4305,7 @@
           <a:p>
             <a:fld id="{02AC24A9-CCB6-4F8D-B8DB-C2F3692CFA5A}" type="datetimeFigureOut">
               <a:rPr lang="en-US" smtClean="0"/>
-              <a:t>11/4/2020</a:t>
+              <a:t>11/5/2020</a:t>
             </a:fld>
             <a:endParaRPr lang="en-US" dirty="0"/>
           </a:p>
@@ -4782,7 +4782,7 @@
           <a:p>
             <a:fld id="{02AC24A9-CCB6-4F8D-B8DB-C2F3692CFA5A}" type="datetimeFigureOut">
               <a:rPr lang="en-US" smtClean="0"/>
-              <a:t>11/4/2020</a:t>
+              <a:t>11/5/2020</a:t>
             </a:fld>
             <a:endParaRPr lang="en-US"/>
           </a:p>
@@ -5025,7 +5025,7 @@
           <a:p>
             <a:fld id="{02AC24A9-CCB6-4F8D-B8DB-C2F3692CFA5A}" type="datetimeFigureOut">
               <a:rPr lang="en-US" smtClean="0"/>
-              <a:t>11/4/2020</a:t>
+              <a:t>11/5/2020</a:t>
             </a:fld>
             <a:endParaRPr lang="en-US"/>
           </a:p>
@@ -6218,8 +6218,8 @@
           <a:lstStyle/>
           <a:p>
             <a:r>
-              <a:rPr lang="en-US" sz="13400"/>
-              <a:t>Content</a:t>
+              <a:rPr lang="en-US" sz="9600" dirty="0"/>
+              <a:t>Types of Discovered Issues</a:t>
             </a:r>
           </a:p>
         </p:txBody>
@@ -7475,7 +7475,7 @@
           </p:cNvPicPr>
           <p:nvPr/>
         </p:nvPicPr>
-        <p:blipFill>
+        <p:blipFill rotWithShape="1">
           <a:blip r:embed="rId2">
             <a:extLst>
               <a:ext uri="{28A0092B-C50C-407E-A947-70E740481C1C}">
@@ -7483,20 +7483,54 @@
               </a:ext>
             </a:extLst>
           </a:blip>
-          <a:stretch>
-            <a:fillRect/>
-          </a:stretch>
+          <a:srcRect b="20947"/>
+          <a:stretch/>
         </p:blipFill>
         <p:spPr>
           <a:xfrm>
             <a:off x="10803676" y="2958673"/>
-            <a:ext cx="9706707" cy="12618719"/>
+            <a:ext cx="9706707" cy="9975449"/>
           </a:xfrm>
           <a:prstGeom prst="rect">
             <a:avLst/>
           </a:prstGeom>
         </p:spPr>
       </p:pic>
+      <p:sp>
+        <p:nvSpPr>
+          <p:cNvPr id="3" name="TextBox 2">
+            <a:extLst>
+              <a:ext uri="{FF2B5EF4-FFF2-40B4-BE49-F238E27FC236}">
+                <a16:creationId xmlns:a16="http://schemas.microsoft.com/office/drawing/2014/main" id="{91335BC6-64A6-4ABD-9FAC-55B4BE8EB521}"/>
+              </a:ext>
+            </a:extLst>
+          </p:cNvPr>
+          <p:cNvSpPr txBox="1"/>
+          <p:nvPr/>
+        </p:nvSpPr>
+        <p:spPr>
+          <a:xfrm>
+            <a:off x="10841447" y="13837634"/>
+            <a:ext cx="9631163" cy="830997"/>
+          </a:xfrm>
+          <a:prstGeom prst="rect">
+            <a:avLst/>
+          </a:prstGeom>
+          <a:noFill/>
+        </p:spPr>
+        <p:txBody>
+          <a:bodyPr wrap="none" rtlCol="0">
+            <a:spAutoFit/>
+          </a:bodyPr>
+          <a:lstStyle/>
+          <a:p>
+            <a:r>
+              <a:rPr lang="en-SG" sz="4800" dirty="0"/>
+              <a:t>https://av-testing.github.io/atlas/</a:t>
+            </a:r>
+          </a:p>
+        </p:txBody>
+      </p:sp>
     </p:spTree>
     <p:extLst>
       <p:ext uri="{BB962C8B-B14F-4D97-AF65-F5344CB8AC3E}">
